--- a/Dokumentation/Bachelorthesis/model/systemumfang.pptx
+++ b/Dokumentation/Bachelorthesis/model/systemumfang.pptx
@@ -289,7 +289,7 @@
             <a:fld id="{951E9BE1-C209-4F61-8491-9D444D3A8D06}" type="datetimeFigureOut">
               <a:rPr lang="en-US" smtClean="0"/>
               <a:pPr/>
-              <a:t>9/22/2011</a:t>
+              <a:t>12/1/2011</a:t>
             </a:fld>
             <a:endParaRPr lang="en-US"/>
           </a:p>
@@ -456,7 +456,7 @@
             <a:fld id="{951E9BE1-C209-4F61-8491-9D444D3A8D06}" type="datetimeFigureOut">
               <a:rPr lang="en-US" smtClean="0"/>
               <a:pPr/>
-              <a:t>9/22/2011</a:t>
+              <a:t>12/1/2011</a:t>
             </a:fld>
             <a:endParaRPr lang="en-US"/>
           </a:p>
@@ -633,7 +633,7 @@
             <a:fld id="{951E9BE1-C209-4F61-8491-9D444D3A8D06}" type="datetimeFigureOut">
               <a:rPr lang="en-US" smtClean="0"/>
               <a:pPr/>
-              <a:t>9/22/2011</a:t>
+              <a:t>12/1/2011</a:t>
             </a:fld>
             <a:endParaRPr lang="en-US"/>
           </a:p>
@@ -800,7 +800,7 @@
             <a:fld id="{951E9BE1-C209-4F61-8491-9D444D3A8D06}" type="datetimeFigureOut">
               <a:rPr lang="en-US" smtClean="0"/>
               <a:pPr/>
-              <a:t>9/22/2011</a:t>
+              <a:t>12/1/2011</a:t>
             </a:fld>
             <a:endParaRPr lang="en-US"/>
           </a:p>
@@ -1043,7 +1043,7 @@
             <a:fld id="{951E9BE1-C209-4F61-8491-9D444D3A8D06}" type="datetimeFigureOut">
               <a:rPr lang="en-US" smtClean="0"/>
               <a:pPr/>
-              <a:t>9/22/2011</a:t>
+              <a:t>12/1/2011</a:t>
             </a:fld>
             <a:endParaRPr lang="en-US"/>
           </a:p>
@@ -1328,7 +1328,7 @@
             <a:fld id="{951E9BE1-C209-4F61-8491-9D444D3A8D06}" type="datetimeFigureOut">
               <a:rPr lang="en-US" smtClean="0"/>
               <a:pPr/>
-              <a:t>9/22/2011</a:t>
+              <a:t>12/1/2011</a:t>
             </a:fld>
             <a:endParaRPr lang="en-US"/>
           </a:p>
@@ -1747,7 +1747,7 @@
             <a:fld id="{951E9BE1-C209-4F61-8491-9D444D3A8D06}" type="datetimeFigureOut">
               <a:rPr lang="en-US" smtClean="0"/>
               <a:pPr/>
-              <a:t>9/22/2011</a:t>
+              <a:t>12/1/2011</a:t>
             </a:fld>
             <a:endParaRPr lang="en-US"/>
           </a:p>
@@ -1862,7 +1862,7 @@
             <a:fld id="{951E9BE1-C209-4F61-8491-9D444D3A8D06}" type="datetimeFigureOut">
               <a:rPr lang="en-US" smtClean="0"/>
               <a:pPr/>
-              <a:t>9/22/2011</a:t>
+              <a:t>12/1/2011</a:t>
             </a:fld>
             <a:endParaRPr lang="en-US"/>
           </a:p>
@@ -1954,7 +1954,7 @@
             <a:fld id="{951E9BE1-C209-4F61-8491-9D444D3A8D06}" type="datetimeFigureOut">
               <a:rPr lang="en-US" smtClean="0"/>
               <a:pPr/>
-              <a:t>9/22/2011</a:t>
+              <a:t>12/1/2011</a:t>
             </a:fld>
             <a:endParaRPr lang="en-US"/>
           </a:p>
@@ -2228,7 +2228,7 @@
             <a:fld id="{951E9BE1-C209-4F61-8491-9D444D3A8D06}" type="datetimeFigureOut">
               <a:rPr lang="en-US" smtClean="0"/>
               <a:pPr/>
-              <a:t>9/22/2011</a:t>
+              <a:t>12/1/2011</a:t>
             </a:fld>
             <a:endParaRPr lang="en-US"/>
           </a:p>
@@ -2478,7 +2478,7 @@
             <a:fld id="{951E9BE1-C209-4F61-8491-9D444D3A8D06}" type="datetimeFigureOut">
               <a:rPr lang="en-US" smtClean="0"/>
               <a:pPr/>
-              <a:t>9/22/2011</a:t>
+              <a:t>12/1/2011</a:t>
             </a:fld>
             <a:endParaRPr lang="en-US"/>
           </a:p>
@@ -2688,7 +2688,7 @@
             <a:fld id="{951E9BE1-C209-4F61-8491-9D444D3A8D06}" type="datetimeFigureOut">
               <a:rPr lang="en-US" smtClean="0"/>
               <a:pPr/>
-              <a:t>9/22/2011</a:t>
+              <a:t>12/1/2011</a:t>
             </a:fld>
             <a:endParaRPr lang="en-US"/>
           </a:p>
@@ -3067,8 +3067,8 @@
         </p:nvSpPr>
         <p:spPr>
           <a:xfrm>
-            <a:off x="990600" y="381000"/>
-            <a:ext cx="4191000" cy="3581400"/>
+            <a:off x="990600" y="990600"/>
+            <a:ext cx="4191000" cy="2971800"/>
           </a:xfrm>
           <a:prstGeom prst="roundRect">
             <a:avLst/>
@@ -3113,8 +3113,8 @@
         </p:nvSpPr>
         <p:spPr>
           <a:xfrm>
-            <a:off x="1143000" y="685800"/>
-            <a:ext cx="3886200" cy="2438400"/>
+            <a:off x="1143000" y="1143000"/>
+            <a:ext cx="3886200" cy="1981200"/>
           </a:xfrm>
           <a:prstGeom prst="roundRect">
             <a:avLst/>
@@ -3208,8 +3208,8 @@
         </p:nvSpPr>
         <p:spPr>
           <a:xfrm>
-            <a:off x="1568825" y="762000"/>
-            <a:ext cx="3048000" cy="1447800"/>
+            <a:off x="1568825" y="1219200"/>
+            <a:ext cx="3048000" cy="990600"/>
           </a:xfrm>
           <a:prstGeom prst="roundRect">
             <a:avLst/>
@@ -3293,13 +3293,13 @@
       </p:sp>
       <p:sp>
         <p:nvSpPr>
-          <p:cNvPr id="12" name="Rounded Rectangle 11"/>
+          <p:cNvPr id="13" name="Rounded Rectangle 12"/>
           <p:cNvSpPr/>
           <p:nvPr/>
         </p:nvSpPr>
         <p:spPr>
           <a:xfrm>
-            <a:off x="1752600" y="838200"/>
+            <a:off x="1752600" y="1600200"/>
             <a:ext cx="1295400" cy="228600"/>
           </a:xfrm>
           <a:prstGeom prst="roundRect">
@@ -3334,12 +3334,12 @@
           <a:p>
             <a:pPr algn="ctr"/>
             <a:r>
-              <a:rPr lang="de-CH" sz="1200" smtClean="0">
+              <a:rPr lang="de-CH" sz="1200" dirty="0" smtClean="0">
                 <a:solidFill>
                   <a:schemeClr val="tx1"/>
                 </a:solidFill>
               </a:rPr>
-              <a:t>Domainmodel</a:t>
+              <a:t>Reporting</a:t>
             </a:r>
             <a:endParaRPr lang="en-US" sz="1200" dirty="0">
               <a:solidFill>
@@ -3351,13 +3351,13 @@
       </p:sp>
       <p:sp>
         <p:nvSpPr>
-          <p:cNvPr id="13" name="Rounded Rectangle 12"/>
+          <p:cNvPr id="15" name="Rounded Rectangle 14"/>
           <p:cNvSpPr/>
           <p:nvPr/>
         </p:nvSpPr>
         <p:spPr>
           <a:xfrm>
-            <a:off x="1752600" y="1447800"/>
+            <a:off x="1752600" y="1295400"/>
             <a:ext cx="1295400" cy="228600"/>
           </a:xfrm>
           <a:prstGeom prst="roundRect">
@@ -3397,33 +3397,20 @@
                   <a:schemeClr val="tx1"/>
                 </a:solidFill>
               </a:rPr>
-              <a:t>Report, </a:t>
-            </a:r>
-            <a:r>
-              <a:rPr lang="de-CH" sz="1200" dirty="0" err="1" smtClean="0">
-                <a:solidFill>
-                  <a:schemeClr val="tx1"/>
-                </a:solidFill>
-              </a:rPr>
-              <a:t>Charting</a:t>
-            </a:r>
-            <a:endParaRPr lang="en-US" sz="1200" dirty="0">
-              <a:solidFill>
-                <a:schemeClr val="tx1"/>
-              </a:solidFill>
-            </a:endParaRPr>
-          </a:p>
-        </p:txBody>
-      </p:sp>
-      <p:sp>
-        <p:nvSpPr>
-          <p:cNvPr id="14" name="Rounded Rectangle 13"/>
+              <a:t>Analyzer</a:t>
+            </a:r>
+          </a:p>
+        </p:txBody>
+      </p:sp>
+      <p:sp>
+        <p:nvSpPr>
+          <p:cNvPr id="16" name="Rounded Rectangle 15"/>
           <p:cNvSpPr/>
           <p:nvPr/>
         </p:nvSpPr>
         <p:spPr>
           <a:xfrm>
-            <a:off x="3124200" y="1143000"/>
+            <a:off x="3124200" y="1295400"/>
             <a:ext cx="1295400" cy="228600"/>
           </a:xfrm>
           <a:prstGeom prst="roundRect">
@@ -3463,126 +3450,7 @@
                   <a:schemeClr val="tx1"/>
                 </a:solidFill>
               </a:rPr>
-              <a:t>Benutzerführung</a:t>
-            </a:r>
-          </a:p>
-        </p:txBody>
-      </p:sp>
-      <p:sp>
-        <p:nvSpPr>
-          <p:cNvPr id="15" name="Rounded Rectangle 14"/>
-          <p:cNvSpPr/>
-          <p:nvPr/>
-        </p:nvSpPr>
-        <p:spPr>
-          <a:xfrm>
-            <a:off x="1752600" y="1143000"/>
-            <a:ext cx="1295400" cy="228600"/>
-          </a:xfrm>
-          <a:prstGeom prst="roundRect">
-            <a:avLst/>
-          </a:prstGeom>
-          <a:solidFill>
-            <a:schemeClr val="bg2"/>
-          </a:solidFill>
-          <a:ln>
-            <a:noFill/>
-          </a:ln>
-        </p:spPr>
-        <p:style>
-          <a:lnRef idx="2">
-            <a:schemeClr val="accent1">
-              <a:shade val="50000"/>
-            </a:schemeClr>
-          </a:lnRef>
-          <a:fillRef idx="1">
-            <a:schemeClr val="accent1"/>
-          </a:fillRef>
-          <a:effectRef idx="0">
-            <a:schemeClr val="accent1"/>
-          </a:effectRef>
-          <a:fontRef idx="minor">
-            <a:schemeClr val="lt1"/>
-          </a:fontRef>
-        </p:style>
-        <p:txBody>
-          <a:bodyPr rtlCol="0" anchor="ctr"/>
-          <a:lstStyle/>
-          <a:p>
-            <a:pPr algn="ctr"/>
-            <a:r>
-              <a:rPr lang="de-CH" sz="1200" dirty="0" err="1" smtClean="0">
-                <a:solidFill>
-                  <a:schemeClr val="tx1"/>
-                </a:solidFill>
-              </a:rPr>
-              <a:t>Parsing</a:t>
-            </a:r>
-            <a:r>
-              <a:rPr lang="de-CH" sz="1200" dirty="0" smtClean="0">
-                <a:solidFill>
-                  <a:schemeClr val="tx1"/>
-                </a:solidFill>
-              </a:rPr>
-              <a:t>, Analyse</a:t>
-            </a:r>
-            <a:endParaRPr lang="en-US" sz="1200" dirty="0">
-              <a:solidFill>
-                <a:schemeClr val="tx1"/>
-              </a:solidFill>
-            </a:endParaRPr>
-          </a:p>
-        </p:txBody>
-      </p:sp>
-      <p:sp>
-        <p:nvSpPr>
-          <p:cNvPr id="16" name="Rounded Rectangle 15"/>
-          <p:cNvSpPr/>
-          <p:nvPr/>
-        </p:nvSpPr>
-        <p:spPr>
-          <a:xfrm>
-            <a:off x="3124200" y="838200"/>
-            <a:ext cx="1295400" cy="228600"/>
-          </a:xfrm>
-          <a:prstGeom prst="roundRect">
-            <a:avLst/>
-          </a:prstGeom>
-          <a:solidFill>
-            <a:schemeClr val="bg2"/>
-          </a:solidFill>
-          <a:ln>
-            <a:noFill/>
-          </a:ln>
-        </p:spPr>
-        <p:style>
-          <a:lnRef idx="2">
-            <a:schemeClr val="accent1">
-              <a:shade val="50000"/>
-            </a:schemeClr>
-          </a:lnRef>
-          <a:fillRef idx="1">
-            <a:schemeClr val="accent1"/>
-          </a:fillRef>
-          <a:effectRef idx="0">
-            <a:schemeClr val="accent1"/>
-          </a:effectRef>
-          <a:fontRef idx="minor">
-            <a:schemeClr val="lt1"/>
-          </a:fontRef>
-        </p:style>
-        <p:txBody>
-          <a:bodyPr rtlCol="0" anchor="ctr"/>
-          <a:lstStyle/>
-          <a:p>
-            <a:pPr algn="ctr"/>
-            <a:r>
-              <a:rPr lang="de-CH" sz="1200" dirty="0" smtClean="0">
-                <a:solidFill>
-                  <a:schemeClr val="tx1"/>
-                </a:solidFill>
-              </a:rPr>
-              <a:t>Hilfe</a:t>
+              <a:t>Hilfesystem</a:t>
             </a:r>
           </a:p>
         </p:txBody>
@@ -3632,28 +3500,12 @@
           <a:p>
             <a:pPr algn="ctr"/>
             <a:r>
-              <a:rPr lang="de-CH" sz="1200" dirty="0" err="1" smtClean="0">
-                <a:solidFill>
-                  <a:schemeClr val="tx1"/>
-                </a:solidFill>
-              </a:rPr>
-              <a:t>Build</a:t>
-            </a:r>
-            <a:r>
               <a:rPr lang="de-CH" sz="1200" dirty="0" smtClean="0">
                 <a:solidFill>
                   <a:schemeClr val="tx1"/>
                 </a:solidFill>
               </a:rPr>
-              <a:t> und </a:t>
-            </a:r>
-            <a:r>
-              <a:rPr lang="de-CH" sz="1200" dirty="0" err="1" smtClean="0">
-                <a:solidFill>
-                  <a:schemeClr val="tx1"/>
-                </a:solidFill>
-              </a:rPr>
-              <a:t>Deployment</a:t>
+              <a:t>Build und Deployment</a:t>
             </a:r>
             <a:endParaRPr lang="en-US" sz="1200" dirty="0">
               <a:solidFill>
@@ -3713,13 +3565,8 @@
                   <a:schemeClr val="tx1"/>
                 </a:solidFill>
               </a:rPr>
-              <a:t>Update Mechanismus</a:t>
-            </a:r>
-            <a:endParaRPr lang="en-US" sz="1200" dirty="0">
-              <a:solidFill>
-                <a:schemeClr val="tx1"/>
-              </a:solidFill>
-            </a:endParaRPr>
+              <a:t>Rich Client Framework</a:t>
+            </a:r>
           </a:p>
         </p:txBody>
       </p:sp>
@@ -3768,20 +3615,12 @@
           <a:p>
             <a:pPr algn="ctr"/>
             <a:r>
-              <a:rPr lang="de-CH" sz="1200" dirty="0" err="1" smtClean="0">
-                <a:solidFill>
-                  <a:schemeClr val="tx1"/>
-                </a:solidFill>
-              </a:rPr>
-              <a:t>Continuous</a:t>
-            </a:r>
-            <a:r>
               <a:rPr lang="de-CH" sz="1200" dirty="0" smtClean="0">
                 <a:solidFill>
                   <a:schemeClr val="tx1"/>
                 </a:solidFill>
               </a:rPr>
-              <a:t> Integration</a:t>
+              <a:t>Continuous Integration</a:t>
             </a:r>
             <a:endParaRPr lang="en-US" sz="1200" dirty="0">
               <a:solidFill>
@@ -3836,44 +3675,12 @@
           <a:p>
             <a:pPr algn="ctr"/>
             <a:r>
-              <a:rPr lang="de-CH" sz="1200" dirty="0" err="1" smtClean="0">
-                <a:solidFill>
-                  <a:schemeClr val="tx1"/>
-                </a:solidFill>
-              </a:rPr>
-              <a:t>JRockit</a:t>
-            </a:r>
-            <a:r>
               <a:rPr lang="de-CH" sz="1200" dirty="0" smtClean="0">
                 <a:solidFill>
                   <a:schemeClr val="tx1"/>
                 </a:solidFill>
               </a:rPr>
-              <a:t> </a:t>
-            </a:r>
-            <a:r>
-              <a:rPr lang="de-CH" sz="1200" dirty="0" err="1" smtClean="0">
-                <a:solidFill>
-                  <a:schemeClr val="tx1"/>
-                </a:solidFill>
-              </a:rPr>
-              <a:t>Virtual</a:t>
-            </a:r>
-            <a:r>
-              <a:rPr lang="de-CH" sz="1200" dirty="0" smtClean="0">
-                <a:solidFill>
-                  <a:schemeClr val="tx1"/>
-                </a:solidFill>
-              </a:rPr>
-              <a:t> </a:t>
-            </a:r>
-            <a:r>
-              <a:rPr lang="de-CH" sz="1200" dirty="0" err="1" smtClean="0">
-                <a:solidFill>
-                  <a:schemeClr val="tx1"/>
-                </a:solidFill>
-              </a:rPr>
-              <a:t>Machine</a:t>
+              <a:t>JRockit virtual Machine</a:t>
             </a:r>
             <a:endParaRPr lang="en-US" sz="1200" dirty="0">
               <a:solidFill>
@@ -3928,7 +3735,7 @@
           <a:p>
             <a:pPr algn="ctr"/>
             <a:r>
-              <a:rPr lang="de-CH" sz="1200" dirty="0" err="1" smtClean="0">
+              <a:rPr lang="de-CH" sz="1200" dirty="0" smtClean="0">
                 <a:solidFill>
                   <a:schemeClr val="tx1"/>
                 </a:solidFill>
@@ -4049,6 +3856,64 @@
               </a:solidFill>
               <a:latin typeface="Arial" pitchFamily="34" charset="0"/>
               <a:cs typeface="Arial" pitchFamily="34" charset="0"/>
+            </a:endParaRPr>
+          </a:p>
+        </p:txBody>
+      </p:sp>
+      <p:sp>
+        <p:nvSpPr>
+          <p:cNvPr id="25" name="Rounded Rectangle 24"/>
+          <p:cNvSpPr/>
+          <p:nvPr/>
+        </p:nvSpPr>
+        <p:spPr>
+          <a:xfrm>
+            <a:off x="3124200" y="1600200"/>
+            <a:ext cx="1295400" cy="228600"/>
+          </a:xfrm>
+          <a:prstGeom prst="roundRect">
+            <a:avLst/>
+          </a:prstGeom>
+          <a:solidFill>
+            <a:schemeClr val="bg2"/>
+          </a:solidFill>
+          <a:ln>
+            <a:noFill/>
+          </a:ln>
+        </p:spPr>
+        <p:style>
+          <a:lnRef idx="2">
+            <a:schemeClr val="accent1">
+              <a:shade val="50000"/>
+            </a:schemeClr>
+          </a:lnRef>
+          <a:fillRef idx="1">
+            <a:schemeClr val="accent1"/>
+          </a:fillRef>
+          <a:effectRef idx="0">
+            <a:schemeClr val="accent1"/>
+          </a:effectRef>
+          <a:fontRef idx="minor">
+            <a:schemeClr val="lt1"/>
+          </a:fontRef>
+        </p:style>
+        <p:txBody>
+          <a:bodyPr rtlCol="0" anchor="ctr"/>
+          <a:lstStyle/>
+          <a:p>
+            <a:pPr algn="ctr"/>
+            <a:r>
+              <a:rPr lang="de-CH" sz="1200" dirty="0" smtClean="0">
+                <a:solidFill>
+                  <a:schemeClr val="tx1"/>
+                </a:solidFill>
+              </a:rPr>
+              <a:t>Importer</a:t>
+            </a:r>
+            <a:endParaRPr lang="en-US" sz="1200" dirty="0">
+              <a:solidFill>
+                <a:schemeClr val="tx1"/>
+              </a:solidFill>
             </a:endParaRPr>
           </a:p>
         </p:txBody>
